--- a/slide/PaperSlide.pptx
+++ b/slide/PaperSlide.pptx
@@ -267,7 +267,7 @@
           <a:p>
             <a:fld id="{63149003-3508-470E-9FE4-4C6F38C7291F}" type="datetimeFigureOut">
               <a:rPr lang="zh-TW" altLang="en-US" smtClean="0"/>
-              <a:t>2019/6/1</a:t>
+              <a:t>2019/6/2</a:t>
             </a:fld>
             <a:endParaRPr lang="zh-TW" altLang="en-US"/>
           </a:p>
@@ -7522,17 +7522,6 @@
           <a:lstStyle/>
           <a:p>
             <a:r>
-              <a:rPr lang="en-US" altLang="zh-TW" sz="2400" i="1" dirty="0"/>
-              <a:t>2018 Undergraduate Project</a:t>
-            </a:r>
-            <a:r>
-              <a:rPr lang="en-US" altLang="zh-TW" sz="3000" dirty="0"/>
-              <a:t/>
-            </a:r>
-            <a:br>
-              <a:rPr lang="en-US" altLang="zh-TW" sz="3000" dirty="0"/>
-            </a:br>
-            <a:r>
               <a:rPr lang="en-US" altLang="zh-TW" sz="3000" dirty="0"/>
               <a:t/>
             </a:r>
@@ -7576,37 +7565,6 @@
           <a:bodyPr/>
           <a:lstStyle/>
           <a:p>
-            <a:r>
-              <a:rPr lang="en-US" altLang="zh-TW" sz="1500" dirty="0"/>
-              <a:t>Speaker: </a:t>
-            </a:r>
-            <a:r>
-              <a:rPr lang="zh-TW" altLang="en-US" sz="1500" dirty="0"/>
-              <a:t>電機四 童寬 劉博綱</a:t>
-            </a:r>
-            <a:endParaRPr lang="en-US" altLang="zh-TW" sz="1500" dirty="0"/>
-          </a:p>
-          <a:p>
-            <a:r>
-              <a:rPr lang="en-US" altLang="zh-TW" sz="1500" dirty="0"/>
-              <a:t>Advisor: Prof. An-Yeu Wu</a:t>
-            </a:r>
-          </a:p>
-          <a:p>
-            <a:r>
-              <a:rPr lang="en-US" altLang="zh-TW" sz="1500" dirty="0"/>
-              <a:t>Mentor: Harry Wes</a:t>
-            </a:r>
-          </a:p>
-          <a:p>
-            <a:r>
-              <a:rPr lang="en-US" altLang="zh-TW" sz="1500" dirty="0"/>
-              <a:t>Date</a:t>
-            </a:r>
-            <a:r>
-              <a:rPr lang="en-US" altLang="zh-TW" sz="1500"/>
-              <a:t>: 2018/07/04</a:t>
-            </a:r>
             <a:endParaRPr lang="zh-TW" altLang="en-US" sz="1500" dirty="0"/>
           </a:p>
         </p:txBody>
